--- a/backups/MLG_Logo.pptx
+++ b/backups/MLG_Logo.pptx
@@ -11,6 +11,7 @@
     <p:sldId id="260" r:id="rId5"/>
     <p:sldId id="261" r:id="rId6"/>
     <p:sldId id="262" r:id="rId7"/>
+    <p:sldId id="263" r:id="rId8"/>
   </p:sldIdLst>
   <p:sldSz cx="9144000" cy="6858000" type="screen4x3"/>
   <p:notesSz cx="6858000" cy="9144000"/>
@@ -293,7 +294,7 @@
           <a:p>
             <a:fld id="{19C38E25-B609-3D46-9BBF-50AA37BAB74C}" type="datetimeFigureOut">
               <a:rPr lang="en-US" smtClean="0"/>
-              <a:t>3/28/18</a:t>
+              <a:t>4/11/20</a:t>
             </a:fld>
             <a:endParaRPr lang="en-US"/>
           </a:p>
@@ -463,7 +464,7 @@
           <a:p>
             <a:fld id="{19C38E25-B609-3D46-9BBF-50AA37BAB74C}" type="datetimeFigureOut">
               <a:rPr lang="en-US" smtClean="0"/>
-              <a:t>3/28/18</a:t>
+              <a:t>4/11/20</a:t>
             </a:fld>
             <a:endParaRPr lang="en-US"/>
           </a:p>
@@ -643,7 +644,7 @@
           <a:p>
             <a:fld id="{19C38E25-B609-3D46-9BBF-50AA37BAB74C}" type="datetimeFigureOut">
               <a:rPr lang="en-US" smtClean="0"/>
-              <a:t>3/28/18</a:t>
+              <a:t>4/11/20</a:t>
             </a:fld>
             <a:endParaRPr lang="en-US"/>
           </a:p>
@@ -813,7 +814,7 @@
           <a:p>
             <a:fld id="{19C38E25-B609-3D46-9BBF-50AA37BAB74C}" type="datetimeFigureOut">
               <a:rPr lang="en-US" smtClean="0"/>
-              <a:t>3/28/18</a:t>
+              <a:t>4/11/20</a:t>
             </a:fld>
             <a:endParaRPr lang="en-US"/>
           </a:p>
@@ -1059,7 +1060,7 @@
           <a:p>
             <a:fld id="{19C38E25-B609-3D46-9BBF-50AA37BAB74C}" type="datetimeFigureOut">
               <a:rPr lang="en-US" smtClean="0"/>
-              <a:t>3/28/18</a:t>
+              <a:t>4/11/20</a:t>
             </a:fld>
             <a:endParaRPr lang="en-US"/>
           </a:p>
@@ -1347,7 +1348,7 @@
           <a:p>
             <a:fld id="{19C38E25-B609-3D46-9BBF-50AA37BAB74C}" type="datetimeFigureOut">
               <a:rPr lang="en-US" smtClean="0"/>
-              <a:t>3/28/18</a:t>
+              <a:t>4/11/20</a:t>
             </a:fld>
             <a:endParaRPr lang="en-US"/>
           </a:p>
@@ -1769,7 +1770,7 @@
           <a:p>
             <a:fld id="{19C38E25-B609-3D46-9BBF-50AA37BAB74C}" type="datetimeFigureOut">
               <a:rPr lang="en-US" smtClean="0"/>
-              <a:t>3/28/18</a:t>
+              <a:t>4/11/20</a:t>
             </a:fld>
             <a:endParaRPr lang="en-US"/>
           </a:p>
@@ -1887,7 +1888,7 @@
           <a:p>
             <a:fld id="{19C38E25-B609-3D46-9BBF-50AA37BAB74C}" type="datetimeFigureOut">
               <a:rPr lang="en-US" smtClean="0"/>
-              <a:t>3/28/18</a:t>
+              <a:t>4/11/20</a:t>
             </a:fld>
             <a:endParaRPr lang="en-US"/>
           </a:p>
@@ -1982,7 +1983,7 @@
           <a:p>
             <a:fld id="{19C38E25-B609-3D46-9BBF-50AA37BAB74C}" type="datetimeFigureOut">
               <a:rPr lang="en-US" smtClean="0"/>
-              <a:t>3/28/18</a:t>
+              <a:t>4/11/20</a:t>
             </a:fld>
             <a:endParaRPr lang="en-US"/>
           </a:p>
@@ -2259,7 +2260,7 @@
           <a:p>
             <a:fld id="{19C38E25-B609-3D46-9BBF-50AA37BAB74C}" type="datetimeFigureOut">
               <a:rPr lang="en-US" smtClean="0"/>
-              <a:t>3/28/18</a:t>
+              <a:t>4/11/20</a:t>
             </a:fld>
             <a:endParaRPr lang="en-US"/>
           </a:p>
@@ -2512,7 +2513,7 @@
           <a:p>
             <a:fld id="{19C38E25-B609-3D46-9BBF-50AA37BAB74C}" type="datetimeFigureOut">
               <a:rPr lang="en-US" smtClean="0"/>
-              <a:t>3/28/18</a:t>
+              <a:t>4/11/20</a:t>
             </a:fld>
             <a:endParaRPr lang="en-US"/>
           </a:p>
@@ -2725,7 +2726,7 @@
           <a:p>
             <a:fld id="{19C38E25-B609-3D46-9BBF-50AA37BAB74C}" type="datetimeFigureOut">
               <a:rPr lang="en-US" smtClean="0"/>
-              <a:t>3/28/18</a:t>
+              <a:t>4/11/20</a:t>
             </a:fld>
             <a:endParaRPr lang="en-US"/>
           </a:p>
@@ -8738,17 +8739,7 @@
                   <a:latin typeface="Bauhaus 93"/>
                   <a:cs typeface="Bauhaus 93"/>
                 </a:rPr>
-                <a:t>‘</a:t>
-              </a:r>
-              <a:r>
-                <a:rPr lang="en-US" sz="8400" kern="0" spc="-1000" dirty="0" smtClean="0">
-                  <a:solidFill>
-                    <a:srgbClr val="FECB15"/>
-                  </a:solidFill>
-                  <a:latin typeface="Bauhaus 93"/>
-                  <a:cs typeface="Bauhaus 93"/>
-                </a:rPr>
-                <a:t>18</a:t>
+                <a:t>‘18</a:t>
               </a:r>
               <a:endParaRPr lang="en-US" sz="8400" kern="0" spc="-1000" dirty="0">
                 <a:solidFill>
@@ -9293,6 +9284,1056 @@
     <p:extLst>
       <p:ext uri="{BB962C8B-B14F-4D97-AF65-F5344CB8AC3E}">
         <p14:creationId xmlns:p14="http://schemas.microsoft.com/office/powerpoint/2010/main" val="3061413860"/>
+      </p:ext>
+    </p:extLst>
+  </p:cSld>
+  <p:clrMapOvr>
+    <a:masterClrMapping/>
+  </p:clrMapOvr>
+</p:sld>
+</file>
+
+<file path=ppt/slides/slide7.xml><?xml version="1.0" encoding="utf-8"?>
+<p:sld xmlns:a="http://schemas.openxmlformats.org/drawingml/2006/main" xmlns:r="http://schemas.openxmlformats.org/officeDocument/2006/relationships" xmlns:p="http://schemas.openxmlformats.org/presentationml/2006/main">
+  <p:cSld>
+    <p:spTree>
+      <p:nvGrpSpPr>
+        <p:cNvPr id="1" name=""/>
+        <p:cNvGrpSpPr/>
+        <p:nvPr/>
+      </p:nvGrpSpPr>
+      <p:grpSpPr>
+        <a:xfrm>
+          <a:off x="0" y="0"/>
+          <a:ext cx="0" cy="0"/>
+          <a:chOff x="0" y="0"/>
+          <a:chExt cx="0" cy="0"/>
+        </a:xfrm>
+      </p:grpSpPr>
+      <p:sp>
+        <p:nvSpPr>
+          <p:cNvPr id="2" name="Rectangle 1"/>
+          <p:cNvSpPr/>
+          <p:nvPr/>
+        </p:nvSpPr>
+        <p:spPr>
+          <a:xfrm>
+            <a:off x="-265228" y="112207"/>
+            <a:ext cx="6202261" cy="3952738"/>
+          </a:xfrm>
+          <a:prstGeom prst="rect">
+            <a:avLst/>
+          </a:prstGeom>
+          <a:solidFill>
+            <a:schemeClr val="tx1"/>
+          </a:solidFill>
+        </p:spPr>
+        <p:style>
+          <a:lnRef idx="1">
+            <a:schemeClr val="accent1"/>
+          </a:lnRef>
+          <a:fillRef idx="3">
+            <a:schemeClr val="accent1"/>
+          </a:fillRef>
+          <a:effectRef idx="2">
+            <a:schemeClr val="accent1"/>
+          </a:effectRef>
+          <a:fontRef idx="minor">
+            <a:schemeClr val="lt1"/>
+          </a:fontRef>
+        </p:style>
+        <p:txBody>
+          <a:bodyPr rtlCol="0" anchor="ctr"/>
+          <a:lstStyle/>
+          <a:p>
+            <a:pPr algn="ctr"/>
+            <a:endParaRPr lang="en-US"/>
+          </a:p>
+        </p:txBody>
+      </p:sp>
+      <p:grpSp>
+        <p:nvGrpSpPr>
+          <p:cNvPr id="28" name="Group 27"/>
+          <p:cNvGrpSpPr/>
+          <p:nvPr/>
+        </p:nvGrpSpPr>
+        <p:grpSpPr>
+          <a:xfrm>
+            <a:off x="1512333" y="1286432"/>
+            <a:ext cx="3267697" cy="1384995"/>
+            <a:chOff x="1512333" y="1286432"/>
+            <a:chExt cx="3267697" cy="1384995"/>
+          </a:xfrm>
+        </p:grpSpPr>
+        <p:cxnSp>
+          <p:nvCxnSpPr>
+            <p:cNvPr id="18" name="Straight Connector 17"/>
+            <p:cNvCxnSpPr>
+              <a:stCxn id="4" idx="4"/>
+              <a:endCxn id="5" idx="0"/>
+            </p:cNvCxnSpPr>
+            <p:nvPr/>
+          </p:nvCxnSpPr>
+          <p:spPr>
+            <a:xfrm>
+              <a:off x="1611335" y="1867461"/>
+              <a:ext cx="0" cy="370924"/>
+            </a:xfrm>
+            <a:prstGeom prst="line">
+              <a:avLst/>
+            </a:prstGeom>
+            <a:ln w="76200" cmpd="sng">
+              <a:solidFill>
+                <a:schemeClr val="bg1"/>
+              </a:solidFill>
+            </a:ln>
+            <a:effectLst/>
+          </p:spPr>
+          <p:style>
+            <a:lnRef idx="2">
+              <a:schemeClr val="dk1"/>
+            </a:lnRef>
+            <a:fillRef idx="0">
+              <a:schemeClr val="dk1"/>
+            </a:fillRef>
+            <a:effectRef idx="1">
+              <a:schemeClr val="dk1"/>
+            </a:effectRef>
+            <a:fontRef idx="minor">
+              <a:schemeClr val="tx1"/>
+            </a:fontRef>
+          </p:style>
+        </p:cxnSp>
+        <p:cxnSp>
+          <p:nvCxnSpPr>
+            <p:cNvPr id="19" name="Straight Connector 18"/>
+            <p:cNvCxnSpPr>
+              <a:stCxn id="4" idx="5"/>
+              <a:endCxn id="6" idx="0"/>
+            </p:cNvCxnSpPr>
+            <p:nvPr/>
+          </p:nvCxnSpPr>
+          <p:spPr>
+            <a:xfrm>
+              <a:off x="1681339" y="1838464"/>
+              <a:ext cx="236021" cy="399921"/>
+            </a:xfrm>
+            <a:prstGeom prst="line">
+              <a:avLst/>
+            </a:prstGeom>
+            <a:ln w="76200" cmpd="sng">
+              <a:solidFill>
+                <a:schemeClr val="bg1"/>
+              </a:solidFill>
+            </a:ln>
+            <a:effectLst/>
+          </p:spPr>
+          <p:style>
+            <a:lnRef idx="2">
+              <a:schemeClr val="dk1"/>
+            </a:lnRef>
+            <a:fillRef idx="0">
+              <a:schemeClr val="dk1"/>
+            </a:fillRef>
+            <a:effectRef idx="1">
+              <a:schemeClr val="dk1"/>
+            </a:effectRef>
+            <a:fontRef idx="minor">
+              <a:schemeClr val="tx1"/>
+            </a:fontRef>
+          </p:style>
+        </p:cxnSp>
+        <p:cxnSp>
+          <p:nvCxnSpPr>
+            <p:cNvPr id="22" name="Straight Connector 21"/>
+            <p:cNvCxnSpPr>
+              <a:stCxn id="7" idx="3"/>
+              <a:endCxn id="6" idx="0"/>
+            </p:cNvCxnSpPr>
+            <p:nvPr/>
+          </p:nvCxnSpPr>
+          <p:spPr>
+            <a:xfrm flipH="1">
+              <a:off x="1917360" y="1838464"/>
+              <a:ext cx="227000" cy="399921"/>
+            </a:xfrm>
+            <a:prstGeom prst="line">
+              <a:avLst/>
+            </a:prstGeom>
+            <a:ln w="76200" cmpd="sng">
+              <a:solidFill>
+                <a:schemeClr val="bg1"/>
+              </a:solidFill>
+            </a:ln>
+            <a:effectLst/>
+          </p:spPr>
+          <p:style>
+            <a:lnRef idx="2">
+              <a:schemeClr val="dk1"/>
+            </a:lnRef>
+            <a:fillRef idx="0">
+              <a:schemeClr val="dk1"/>
+            </a:fillRef>
+            <a:effectRef idx="1">
+              <a:schemeClr val="dk1"/>
+            </a:effectRef>
+            <a:fontRef idx="minor">
+              <a:schemeClr val="tx1"/>
+            </a:fontRef>
+          </p:style>
+        </p:cxnSp>
+        <p:cxnSp>
+          <p:nvCxnSpPr>
+            <p:cNvPr id="27" name="Straight Connector 26"/>
+            <p:cNvCxnSpPr>
+              <a:stCxn id="7" idx="4"/>
+              <a:endCxn id="8" idx="0"/>
+            </p:cNvCxnSpPr>
+            <p:nvPr/>
+          </p:nvCxnSpPr>
+          <p:spPr>
+            <a:xfrm>
+              <a:off x="2214365" y="1867461"/>
+              <a:ext cx="0" cy="370924"/>
+            </a:xfrm>
+            <a:prstGeom prst="line">
+              <a:avLst/>
+            </a:prstGeom>
+            <a:ln w="76200" cmpd="sng">
+              <a:solidFill>
+                <a:schemeClr val="bg1"/>
+              </a:solidFill>
+            </a:ln>
+            <a:effectLst/>
+          </p:spPr>
+          <p:style>
+            <a:lnRef idx="2">
+              <a:schemeClr val="dk1"/>
+            </a:lnRef>
+            <a:fillRef idx="0">
+              <a:schemeClr val="dk1"/>
+            </a:fillRef>
+            <a:effectRef idx="1">
+              <a:schemeClr val="dk1"/>
+            </a:effectRef>
+            <a:fontRef idx="minor">
+              <a:schemeClr val="tx1"/>
+            </a:fontRef>
+          </p:style>
+        </p:cxnSp>
+        <p:cxnSp>
+          <p:nvCxnSpPr>
+            <p:cNvPr id="30" name="Straight Connector 29"/>
+            <p:cNvCxnSpPr>
+              <a:stCxn id="10" idx="4"/>
+              <a:endCxn id="11" idx="0"/>
+            </p:cNvCxnSpPr>
+            <p:nvPr/>
+          </p:nvCxnSpPr>
+          <p:spPr>
+            <a:xfrm>
+              <a:off x="2473807" y="1867461"/>
+              <a:ext cx="0" cy="370924"/>
+            </a:xfrm>
+            <a:prstGeom prst="line">
+              <a:avLst/>
+            </a:prstGeom>
+            <a:ln w="76200" cmpd="sng">
+              <a:solidFill>
+                <a:schemeClr val="bg1"/>
+              </a:solidFill>
+            </a:ln>
+            <a:effectLst/>
+          </p:spPr>
+          <p:style>
+            <a:lnRef idx="2">
+              <a:schemeClr val="dk1"/>
+            </a:lnRef>
+            <a:fillRef idx="0">
+              <a:schemeClr val="dk1"/>
+            </a:fillRef>
+            <a:effectRef idx="1">
+              <a:schemeClr val="dk1"/>
+            </a:effectRef>
+            <a:fontRef idx="minor">
+              <a:schemeClr val="tx1"/>
+            </a:fontRef>
+          </p:style>
+        </p:cxnSp>
+        <p:cxnSp>
+          <p:nvCxnSpPr>
+            <p:cNvPr id="33" name="Straight Connector 32"/>
+            <p:cNvCxnSpPr>
+              <a:stCxn id="11" idx="6"/>
+              <a:endCxn id="12" idx="2"/>
+            </p:cNvCxnSpPr>
+            <p:nvPr/>
+          </p:nvCxnSpPr>
+          <p:spPr>
+            <a:xfrm>
+              <a:off x="2572808" y="2337387"/>
+              <a:ext cx="95587" cy="0"/>
+            </a:xfrm>
+            <a:prstGeom prst="line">
+              <a:avLst/>
+            </a:prstGeom>
+            <a:ln w="76200" cmpd="sng">
+              <a:solidFill>
+                <a:schemeClr val="bg1"/>
+              </a:solidFill>
+            </a:ln>
+            <a:effectLst/>
+          </p:spPr>
+          <p:style>
+            <a:lnRef idx="2">
+              <a:schemeClr val="dk1"/>
+            </a:lnRef>
+            <a:fillRef idx="0">
+              <a:schemeClr val="dk1"/>
+            </a:fillRef>
+            <a:effectRef idx="1">
+              <a:schemeClr val="dk1"/>
+            </a:effectRef>
+            <a:fontRef idx="minor">
+              <a:schemeClr val="tx1"/>
+            </a:fontRef>
+          </p:style>
+        </p:cxnSp>
+        <p:cxnSp>
+          <p:nvCxnSpPr>
+            <p:cNvPr id="36" name="Straight Connector 35"/>
+            <p:cNvCxnSpPr/>
+            <p:nvPr/>
+          </p:nvCxnSpPr>
+          <p:spPr>
+            <a:xfrm flipV="1">
+              <a:off x="3285816" y="2105025"/>
+              <a:ext cx="0" cy="156000"/>
+            </a:xfrm>
+            <a:prstGeom prst="line">
+              <a:avLst/>
+            </a:prstGeom>
+            <a:ln w="76200" cmpd="sng">
+              <a:solidFill>
+                <a:schemeClr val="bg1"/>
+              </a:solidFill>
+            </a:ln>
+            <a:effectLst/>
+          </p:spPr>
+          <p:style>
+            <a:lnRef idx="2">
+              <a:schemeClr val="dk1"/>
+            </a:lnRef>
+            <a:fillRef idx="0">
+              <a:schemeClr val="dk1"/>
+            </a:fillRef>
+            <a:effectRef idx="1">
+              <a:schemeClr val="dk1"/>
+            </a:effectRef>
+            <a:fontRef idx="minor">
+              <a:schemeClr val="tx1"/>
+            </a:fontRef>
+          </p:style>
+        </p:cxnSp>
+        <p:cxnSp>
+          <p:nvCxnSpPr>
+            <p:cNvPr id="39" name="Straight Connector 38"/>
+            <p:cNvCxnSpPr/>
+            <p:nvPr/>
+          </p:nvCxnSpPr>
+          <p:spPr>
+            <a:xfrm>
+              <a:off x="3180192" y="2077932"/>
+              <a:ext cx="144033" cy="0"/>
+            </a:xfrm>
+            <a:prstGeom prst="line">
+              <a:avLst/>
+            </a:prstGeom>
+            <a:ln w="76200" cmpd="sng">
+              <a:solidFill>
+                <a:schemeClr val="bg1"/>
+              </a:solidFill>
+            </a:ln>
+            <a:effectLst/>
+          </p:spPr>
+          <p:style>
+            <a:lnRef idx="2">
+              <a:schemeClr val="dk1"/>
+            </a:lnRef>
+            <a:fillRef idx="0">
+              <a:schemeClr val="dk1"/>
+            </a:fillRef>
+            <a:effectRef idx="1">
+              <a:schemeClr val="dk1"/>
+            </a:effectRef>
+            <a:fontRef idx="minor">
+              <a:schemeClr val="tx1"/>
+            </a:fontRef>
+          </p:style>
+        </p:cxnSp>
+        <p:cxnSp>
+          <p:nvCxnSpPr>
+            <p:cNvPr id="46" name="Curved Connector 45"/>
+            <p:cNvCxnSpPr>
+              <a:stCxn id="13" idx="2"/>
+              <a:endCxn id="14" idx="0"/>
+            </p:cNvCxnSpPr>
+            <p:nvPr/>
+          </p:nvCxnSpPr>
+          <p:spPr>
+            <a:xfrm rot="10800000" flipV="1">
+              <a:off x="2846624" y="1768460"/>
+              <a:ext cx="333840" cy="210470"/>
+            </a:xfrm>
+            <a:prstGeom prst="curvedConnector2">
+              <a:avLst/>
+            </a:prstGeom>
+            <a:ln w="76200" cmpd="sng">
+              <a:solidFill>
+                <a:schemeClr val="bg1"/>
+              </a:solidFill>
+            </a:ln>
+            <a:effectLst/>
+          </p:spPr>
+          <p:style>
+            <a:lnRef idx="2">
+              <a:schemeClr val="dk1"/>
+            </a:lnRef>
+            <a:fillRef idx="0">
+              <a:schemeClr val="dk1"/>
+            </a:fillRef>
+            <a:effectRef idx="1">
+              <a:schemeClr val="dk1"/>
+            </a:effectRef>
+            <a:fontRef idx="minor">
+              <a:schemeClr val="tx1"/>
+            </a:fontRef>
+          </p:style>
+        </p:cxnSp>
+        <p:cxnSp>
+          <p:nvCxnSpPr>
+            <p:cNvPr id="49" name="Curved Connector 48"/>
+            <p:cNvCxnSpPr>
+              <a:stCxn id="14" idx="4"/>
+              <a:endCxn id="15" idx="2"/>
+            </p:cNvCxnSpPr>
+            <p:nvPr/>
+          </p:nvCxnSpPr>
+          <p:spPr>
+            <a:xfrm rot="16200000" flipH="1">
+              <a:off x="2921997" y="2101560"/>
+              <a:ext cx="183094" cy="333840"/>
+            </a:xfrm>
+            <a:prstGeom prst="curvedConnector2">
+              <a:avLst/>
+            </a:prstGeom>
+            <a:ln w="76200" cmpd="sng">
+              <a:solidFill>
+                <a:schemeClr val="bg1"/>
+              </a:solidFill>
+            </a:ln>
+            <a:effectLst/>
+          </p:spPr>
+          <p:style>
+            <a:lnRef idx="2">
+              <a:schemeClr val="dk1"/>
+            </a:lnRef>
+            <a:fillRef idx="0">
+              <a:schemeClr val="dk1"/>
+            </a:fillRef>
+            <a:effectRef idx="1">
+              <a:schemeClr val="dk1"/>
+            </a:effectRef>
+            <a:fontRef idx="minor">
+              <a:schemeClr val="tx1"/>
+            </a:fontRef>
+          </p:style>
+        </p:cxnSp>
+        <p:sp>
+          <p:nvSpPr>
+            <p:cNvPr id="53" name="TextBox 52"/>
+            <p:cNvSpPr txBox="1"/>
+            <p:nvPr/>
+          </p:nvSpPr>
+          <p:spPr>
+            <a:xfrm>
+              <a:off x="3274490" y="1286432"/>
+              <a:ext cx="1505540" cy="1384995"/>
+            </a:xfrm>
+            <a:prstGeom prst="rect">
+              <a:avLst/>
+            </a:prstGeom>
+            <a:noFill/>
+          </p:spPr>
+          <p:txBody>
+            <a:bodyPr wrap="none" rtlCol="0">
+              <a:spAutoFit/>
+            </a:bodyPr>
+            <a:lstStyle/>
+            <a:p>
+              <a:r>
+                <a:rPr lang="en-US" sz="8400" kern="0" spc="-1000" dirty="0" smtClean="0">
+                  <a:solidFill>
+                    <a:srgbClr val="FECB15"/>
+                  </a:solidFill>
+                  <a:latin typeface="Bauhaus 93"/>
+                  <a:cs typeface="Bauhaus 93"/>
+                </a:rPr>
+                <a:t>‘</a:t>
+              </a:r>
+              <a:r>
+                <a:rPr lang="en-US" sz="8400" kern="0" spc="-1000" dirty="0" smtClean="0">
+                  <a:solidFill>
+                    <a:srgbClr val="FECB15"/>
+                  </a:solidFill>
+                  <a:latin typeface="Bauhaus 93"/>
+                  <a:cs typeface="Bauhaus 93"/>
+                </a:rPr>
+                <a:t>20</a:t>
+              </a:r>
+              <a:endParaRPr lang="en-US" sz="8400" kern="0" spc="-1000" dirty="0">
+                <a:solidFill>
+                  <a:srgbClr val="FECB15"/>
+                </a:solidFill>
+                <a:latin typeface="Bauhaus 93"/>
+                <a:cs typeface="Bauhaus 93"/>
+              </a:endParaRPr>
+            </a:p>
+          </p:txBody>
+        </p:sp>
+        <p:sp>
+          <p:nvSpPr>
+            <p:cNvPr id="4" name="Oval 3"/>
+            <p:cNvSpPr/>
+            <p:nvPr/>
+          </p:nvSpPr>
+          <p:spPr>
+            <a:xfrm>
+              <a:off x="1512333" y="1669458"/>
+              <a:ext cx="198003" cy="198003"/>
+            </a:xfrm>
+            <a:prstGeom prst="ellipse">
+              <a:avLst/>
+            </a:prstGeom>
+            <a:noFill/>
+            <a:ln w="57150" cmpd="sng">
+              <a:solidFill>
+                <a:srgbClr val="FECB15"/>
+              </a:solidFill>
+            </a:ln>
+          </p:spPr>
+          <p:style>
+            <a:lnRef idx="2">
+              <a:schemeClr val="accent2"/>
+            </a:lnRef>
+            <a:fillRef idx="1">
+              <a:schemeClr val="lt1"/>
+            </a:fillRef>
+            <a:effectRef idx="0">
+              <a:schemeClr val="accent2"/>
+            </a:effectRef>
+            <a:fontRef idx="minor">
+              <a:schemeClr val="dk1"/>
+            </a:fontRef>
+          </p:style>
+          <p:txBody>
+            <a:bodyPr rtlCol="0" anchor="ctr"/>
+            <a:lstStyle/>
+            <a:p>
+              <a:pPr algn="ctr"/>
+              <a:endParaRPr lang="en-US"/>
+            </a:p>
+          </p:txBody>
+        </p:sp>
+        <p:sp>
+          <p:nvSpPr>
+            <p:cNvPr id="5" name="Oval 4"/>
+            <p:cNvSpPr/>
+            <p:nvPr/>
+          </p:nvSpPr>
+          <p:spPr>
+            <a:xfrm>
+              <a:off x="1512333" y="2238385"/>
+              <a:ext cx="198003" cy="198003"/>
+            </a:xfrm>
+            <a:prstGeom prst="ellipse">
+              <a:avLst/>
+            </a:prstGeom>
+            <a:noFill/>
+            <a:ln w="57150" cmpd="sng">
+              <a:solidFill>
+                <a:srgbClr val="FECB15"/>
+              </a:solidFill>
+            </a:ln>
+          </p:spPr>
+          <p:style>
+            <a:lnRef idx="2">
+              <a:schemeClr val="accent2"/>
+            </a:lnRef>
+            <a:fillRef idx="1">
+              <a:schemeClr val="lt1"/>
+            </a:fillRef>
+            <a:effectRef idx="0">
+              <a:schemeClr val="accent2"/>
+            </a:effectRef>
+            <a:fontRef idx="minor">
+              <a:schemeClr val="dk1"/>
+            </a:fontRef>
+          </p:style>
+          <p:txBody>
+            <a:bodyPr rtlCol="0" anchor="ctr"/>
+            <a:lstStyle/>
+            <a:p>
+              <a:pPr algn="ctr"/>
+              <a:endParaRPr lang="en-US"/>
+            </a:p>
+          </p:txBody>
+        </p:sp>
+        <p:sp>
+          <p:nvSpPr>
+            <p:cNvPr id="6" name="Oval 5"/>
+            <p:cNvSpPr/>
+            <p:nvPr/>
+          </p:nvSpPr>
+          <p:spPr>
+            <a:xfrm>
+              <a:off x="1818358" y="2238385"/>
+              <a:ext cx="198003" cy="198003"/>
+            </a:xfrm>
+            <a:prstGeom prst="ellipse">
+              <a:avLst/>
+            </a:prstGeom>
+            <a:noFill/>
+            <a:ln w="57150" cmpd="sng">
+              <a:solidFill>
+                <a:srgbClr val="FECB15"/>
+              </a:solidFill>
+            </a:ln>
+          </p:spPr>
+          <p:style>
+            <a:lnRef idx="2">
+              <a:schemeClr val="accent2"/>
+            </a:lnRef>
+            <a:fillRef idx="1">
+              <a:schemeClr val="lt1"/>
+            </a:fillRef>
+            <a:effectRef idx="0">
+              <a:schemeClr val="accent2"/>
+            </a:effectRef>
+            <a:fontRef idx="minor">
+              <a:schemeClr val="dk1"/>
+            </a:fontRef>
+          </p:style>
+          <p:txBody>
+            <a:bodyPr rtlCol="0" anchor="ctr"/>
+            <a:lstStyle/>
+            <a:p>
+              <a:pPr algn="ctr"/>
+              <a:endParaRPr lang="en-US"/>
+            </a:p>
+          </p:txBody>
+        </p:sp>
+        <p:sp>
+          <p:nvSpPr>
+            <p:cNvPr id="7" name="Oval 6"/>
+            <p:cNvSpPr/>
+            <p:nvPr/>
+          </p:nvSpPr>
+          <p:spPr>
+            <a:xfrm>
+              <a:off x="2115363" y="1669458"/>
+              <a:ext cx="198003" cy="198003"/>
+            </a:xfrm>
+            <a:prstGeom prst="ellipse">
+              <a:avLst/>
+            </a:prstGeom>
+            <a:noFill/>
+            <a:ln w="57150" cmpd="sng">
+              <a:solidFill>
+                <a:srgbClr val="FECB15"/>
+              </a:solidFill>
+            </a:ln>
+          </p:spPr>
+          <p:style>
+            <a:lnRef idx="2">
+              <a:schemeClr val="accent2"/>
+            </a:lnRef>
+            <a:fillRef idx="1">
+              <a:schemeClr val="lt1"/>
+            </a:fillRef>
+            <a:effectRef idx="0">
+              <a:schemeClr val="accent2"/>
+            </a:effectRef>
+            <a:fontRef idx="minor">
+              <a:schemeClr val="dk1"/>
+            </a:fontRef>
+          </p:style>
+          <p:txBody>
+            <a:bodyPr rtlCol="0" anchor="ctr"/>
+            <a:lstStyle/>
+            <a:p>
+              <a:pPr algn="ctr"/>
+              <a:endParaRPr lang="en-US"/>
+            </a:p>
+          </p:txBody>
+        </p:sp>
+        <p:sp>
+          <p:nvSpPr>
+            <p:cNvPr id="8" name="Oval 7"/>
+            <p:cNvSpPr/>
+            <p:nvPr/>
+          </p:nvSpPr>
+          <p:spPr>
+            <a:xfrm>
+              <a:off x="2115363" y="2238385"/>
+              <a:ext cx="198003" cy="198003"/>
+            </a:xfrm>
+            <a:prstGeom prst="ellipse">
+              <a:avLst/>
+            </a:prstGeom>
+            <a:noFill/>
+            <a:ln w="57150" cmpd="sng">
+              <a:solidFill>
+                <a:srgbClr val="FECB15"/>
+              </a:solidFill>
+            </a:ln>
+          </p:spPr>
+          <p:style>
+            <a:lnRef idx="2">
+              <a:schemeClr val="accent2"/>
+            </a:lnRef>
+            <a:fillRef idx="1">
+              <a:schemeClr val="lt1"/>
+            </a:fillRef>
+            <a:effectRef idx="0">
+              <a:schemeClr val="accent2"/>
+            </a:effectRef>
+            <a:fontRef idx="minor">
+              <a:schemeClr val="dk1"/>
+            </a:fontRef>
+          </p:style>
+          <p:txBody>
+            <a:bodyPr rtlCol="0" anchor="ctr"/>
+            <a:lstStyle/>
+            <a:p>
+              <a:pPr algn="ctr"/>
+              <a:endParaRPr lang="en-US"/>
+            </a:p>
+          </p:txBody>
+        </p:sp>
+        <p:sp>
+          <p:nvSpPr>
+            <p:cNvPr id="10" name="Oval 9"/>
+            <p:cNvSpPr/>
+            <p:nvPr/>
+          </p:nvSpPr>
+          <p:spPr>
+            <a:xfrm>
+              <a:off x="2374805" y="1669458"/>
+              <a:ext cx="198003" cy="198003"/>
+            </a:xfrm>
+            <a:prstGeom prst="ellipse">
+              <a:avLst/>
+            </a:prstGeom>
+            <a:noFill/>
+            <a:ln w="57150" cmpd="sng">
+              <a:solidFill>
+                <a:srgbClr val="FECB15"/>
+              </a:solidFill>
+            </a:ln>
+          </p:spPr>
+          <p:style>
+            <a:lnRef idx="2">
+              <a:schemeClr val="accent2"/>
+            </a:lnRef>
+            <a:fillRef idx="1">
+              <a:schemeClr val="lt1"/>
+            </a:fillRef>
+            <a:effectRef idx="0">
+              <a:schemeClr val="accent2"/>
+            </a:effectRef>
+            <a:fontRef idx="minor">
+              <a:schemeClr val="dk1"/>
+            </a:fontRef>
+          </p:style>
+          <p:txBody>
+            <a:bodyPr rtlCol="0" anchor="ctr"/>
+            <a:lstStyle/>
+            <a:p>
+              <a:pPr algn="ctr"/>
+              <a:endParaRPr lang="en-US"/>
+            </a:p>
+          </p:txBody>
+        </p:sp>
+        <p:sp>
+          <p:nvSpPr>
+            <p:cNvPr id="11" name="Oval 10"/>
+            <p:cNvSpPr/>
+            <p:nvPr/>
+          </p:nvSpPr>
+          <p:spPr>
+            <a:xfrm>
+              <a:off x="2374805" y="2238385"/>
+              <a:ext cx="198003" cy="198003"/>
+            </a:xfrm>
+            <a:prstGeom prst="ellipse">
+              <a:avLst/>
+            </a:prstGeom>
+            <a:noFill/>
+            <a:ln w="57150" cmpd="sng">
+              <a:solidFill>
+                <a:srgbClr val="FECB15"/>
+              </a:solidFill>
+            </a:ln>
+          </p:spPr>
+          <p:style>
+            <a:lnRef idx="2">
+              <a:schemeClr val="accent2"/>
+            </a:lnRef>
+            <a:fillRef idx="1">
+              <a:schemeClr val="lt1"/>
+            </a:fillRef>
+            <a:effectRef idx="0">
+              <a:schemeClr val="accent2"/>
+            </a:effectRef>
+            <a:fontRef idx="minor">
+              <a:schemeClr val="dk1"/>
+            </a:fontRef>
+          </p:style>
+          <p:txBody>
+            <a:bodyPr rtlCol="0" anchor="ctr"/>
+            <a:lstStyle/>
+            <a:p>
+              <a:pPr algn="ctr"/>
+              <a:endParaRPr lang="en-US"/>
+            </a:p>
+          </p:txBody>
+        </p:sp>
+        <p:sp>
+          <p:nvSpPr>
+            <p:cNvPr id="12" name="Oval 11"/>
+            <p:cNvSpPr/>
+            <p:nvPr/>
+          </p:nvSpPr>
+          <p:spPr>
+            <a:xfrm>
+              <a:off x="2668395" y="2238385"/>
+              <a:ext cx="198003" cy="198003"/>
+            </a:xfrm>
+            <a:prstGeom prst="ellipse">
+              <a:avLst/>
+            </a:prstGeom>
+            <a:noFill/>
+            <a:ln w="57150" cmpd="sng">
+              <a:solidFill>
+                <a:srgbClr val="FECB15"/>
+              </a:solidFill>
+            </a:ln>
+          </p:spPr>
+          <p:style>
+            <a:lnRef idx="2">
+              <a:schemeClr val="accent2"/>
+            </a:lnRef>
+            <a:fillRef idx="1">
+              <a:schemeClr val="lt1"/>
+            </a:fillRef>
+            <a:effectRef idx="0">
+              <a:schemeClr val="accent2"/>
+            </a:effectRef>
+            <a:fontRef idx="minor">
+              <a:schemeClr val="dk1"/>
+            </a:fontRef>
+          </p:style>
+          <p:txBody>
+            <a:bodyPr rtlCol="0" anchor="ctr"/>
+            <a:lstStyle/>
+            <a:p>
+              <a:pPr algn="ctr"/>
+              <a:endParaRPr lang="en-US"/>
+            </a:p>
+          </p:txBody>
+        </p:sp>
+        <p:sp>
+          <p:nvSpPr>
+            <p:cNvPr id="13" name="Oval 12"/>
+            <p:cNvSpPr/>
+            <p:nvPr/>
+          </p:nvSpPr>
+          <p:spPr>
+            <a:xfrm>
+              <a:off x="3180464" y="1669458"/>
+              <a:ext cx="198003" cy="198003"/>
+            </a:xfrm>
+            <a:prstGeom prst="ellipse">
+              <a:avLst/>
+            </a:prstGeom>
+            <a:noFill/>
+            <a:ln w="57150" cmpd="sng">
+              <a:solidFill>
+                <a:srgbClr val="FECB15"/>
+              </a:solidFill>
+            </a:ln>
+          </p:spPr>
+          <p:style>
+            <a:lnRef idx="2">
+              <a:schemeClr val="accent2"/>
+            </a:lnRef>
+            <a:fillRef idx="1">
+              <a:schemeClr val="lt1"/>
+            </a:fillRef>
+            <a:effectRef idx="0">
+              <a:schemeClr val="accent2"/>
+            </a:effectRef>
+            <a:fontRef idx="minor">
+              <a:schemeClr val="dk1"/>
+            </a:fontRef>
+          </p:style>
+          <p:txBody>
+            <a:bodyPr rtlCol="0" anchor="ctr"/>
+            <a:lstStyle/>
+            <a:p>
+              <a:pPr algn="ctr"/>
+              <a:endParaRPr lang="en-US"/>
+            </a:p>
+          </p:txBody>
+        </p:sp>
+        <p:sp>
+          <p:nvSpPr>
+            <p:cNvPr id="14" name="Oval 13"/>
+            <p:cNvSpPr/>
+            <p:nvPr/>
+          </p:nvSpPr>
+          <p:spPr>
+            <a:xfrm>
+              <a:off x="2747622" y="1978930"/>
+              <a:ext cx="198003" cy="198003"/>
+            </a:xfrm>
+            <a:prstGeom prst="ellipse">
+              <a:avLst/>
+            </a:prstGeom>
+            <a:noFill/>
+            <a:ln w="57150" cmpd="sng">
+              <a:solidFill>
+                <a:srgbClr val="FECB15"/>
+              </a:solidFill>
+            </a:ln>
+          </p:spPr>
+          <p:style>
+            <a:lnRef idx="2">
+              <a:schemeClr val="accent2"/>
+            </a:lnRef>
+            <a:fillRef idx="1">
+              <a:schemeClr val="lt1"/>
+            </a:fillRef>
+            <a:effectRef idx="0">
+              <a:schemeClr val="accent2"/>
+            </a:effectRef>
+            <a:fontRef idx="minor">
+              <a:schemeClr val="dk1"/>
+            </a:fontRef>
+          </p:style>
+          <p:txBody>
+            <a:bodyPr rtlCol="0" anchor="ctr"/>
+            <a:lstStyle/>
+            <a:p>
+              <a:pPr algn="ctr"/>
+              <a:endParaRPr lang="en-US"/>
+            </a:p>
+          </p:txBody>
+        </p:sp>
+        <p:sp>
+          <p:nvSpPr>
+            <p:cNvPr id="15" name="Oval 14"/>
+            <p:cNvSpPr/>
+            <p:nvPr/>
+          </p:nvSpPr>
+          <p:spPr>
+            <a:xfrm>
+              <a:off x="3180464" y="2261025"/>
+              <a:ext cx="198003" cy="198003"/>
+            </a:xfrm>
+            <a:prstGeom prst="ellipse">
+              <a:avLst/>
+            </a:prstGeom>
+            <a:noFill/>
+            <a:ln w="57150" cmpd="sng">
+              <a:solidFill>
+                <a:srgbClr val="FECB15"/>
+              </a:solidFill>
+            </a:ln>
+          </p:spPr>
+          <p:style>
+            <a:lnRef idx="2">
+              <a:schemeClr val="accent2"/>
+            </a:lnRef>
+            <a:fillRef idx="1">
+              <a:schemeClr val="lt1"/>
+            </a:fillRef>
+            <a:effectRef idx="0">
+              <a:schemeClr val="accent2"/>
+            </a:effectRef>
+            <a:fontRef idx="minor">
+              <a:schemeClr val="dk1"/>
+            </a:fontRef>
+          </p:style>
+          <p:txBody>
+            <a:bodyPr rtlCol="0" anchor="ctr"/>
+            <a:lstStyle/>
+            <a:p>
+              <a:pPr algn="ctr"/>
+              <a:endParaRPr lang="en-US"/>
+            </a:p>
+          </p:txBody>
+        </p:sp>
+        <p:sp>
+          <p:nvSpPr>
+            <p:cNvPr id="16" name="Oval 15"/>
+            <p:cNvSpPr/>
+            <p:nvPr/>
+          </p:nvSpPr>
+          <p:spPr>
+            <a:xfrm>
+              <a:off x="3010764" y="1978930"/>
+              <a:ext cx="198003" cy="198003"/>
+            </a:xfrm>
+            <a:prstGeom prst="ellipse">
+              <a:avLst/>
+            </a:prstGeom>
+            <a:noFill/>
+            <a:ln w="57150" cmpd="sng">
+              <a:solidFill>
+                <a:srgbClr val="FECB15"/>
+              </a:solidFill>
+            </a:ln>
+          </p:spPr>
+          <p:style>
+            <a:lnRef idx="2">
+              <a:schemeClr val="accent2"/>
+            </a:lnRef>
+            <a:fillRef idx="1">
+              <a:schemeClr val="lt1"/>
+            </a:fillRef>
+            <a:effectRef idx="0">
+              <a:schemeClr val="accent2"/>
+            </a:effectRef>
+            <a:fontRef idx="minor">
+              <a:schemeClr val="dk1"/>
+            </a:fontRef>
+          </p:style>
+          <p:txBody>
+            <a:bodyPr rtlCol="0" anchor="ctr"/>
+            <a:lstStyle/>
+            <a:p>
+              <a:pPr algn="ctr"/>
+              <a:endParaRPr lang="en-US"/>
+            </a:p>
+          </p:txBody>
+        </p:sp>
+      </p:grpSp>
+    </p:spTree>
+    <p:extLst>
+      <p:ext uri="{BB962C8B-B14F-4D97-AF65-F5344CB8AC3E}">
+        <p14:creationId xmlns:p14="http://schemas.microsoft.com/office/powerpoint/2010/main" val="3446465262"/>
       </p:ext>
     </p:extLst>
   </p:cSld>
